--- a/en/ProgrammingLessons/beginner/scratch-MoveObject.pptx
+++ b/en/ProgrammingLessons/beginner/scratch-MoveObject.pptx
@@ -221,7 +221,7 @@
           <a:p>
             <a:fld id="{E354B44E-40A3-0E46-B16A-9BF1250A248B}" type="datetimeFigureOut">
               <a:rPr lang="en-US" smtClean="0"/>
-              <a:t>12/21/19</a:t>
+              <a:t>12/25/19</a:t>
             </a:fld>
             <a:endParaRPr lang="en-US"/>
           </a:p>
@@ -387,7 +387,7 @@
           <a:p>
             <a:fld id="{C86AD16C-2DB4-6642-BAD4-9ED973A087A0}" type="datetimeFigureOut">
               <a:rPr lang="en-US" smtClean="0"/>
-              <a:t>12/21/19</a:t>
+              <a:t>12/25/19</a:t>
             </a:fld>
             <a:endParaRPr lang="en-US"/>
           </a:p>
@@ -1016,7 +1016,7 @@
           <a:p>
             <a:fld id="{7573C7B3-48C9-F248-9388-3CBAB01D0BEA}" type="datetime1">
               <a:rPr lang="en-US" smtClean="0"/>
-              <a:t>12/21/19</a:t>
+              <a:t>12/25/19</a:t>
             </a:fld>
             <a:endParaRPr lang="en-US"/>
           </a:p>
@@ -1613,7 +1613,7 @@
           <a:p>
             <a:fld id="{629901CD-51C7-F14E-AA0A-C038EAAB9DC3}" type="datetime1">
               <a:rPr lang="en-US" smtClean="0"/>
-              <a:t>12/21/19</a:t>
+              <a:t>12/25/19</a:t>
             </a:fld>
             <a:endParaRPr lang="en-US"/>
           </a:p>
@@ -1795,7 +1795,7 @@
           <a:p>
             <a:fld id="{812224DB-9634-1F48-ABAE-8BC92970E6F2}" type="datetime1">
               <a:rPr lang="en-US" smtClean="0"/>
-              <a:t>12/21/19</a:t>
+              <a:t>12/25/19</a:t>
             </a:fld>
             <a:endParaRPr lang="en-US"/>
           </a:p>
@@ -2012,7 +2012,7 @@
           <a:p>
             <a:fld id="{40A32E4F-EA2E-3346-833F-5D4C78814BDD}" type="datetime1">
               <a:rPr lang="en-US" smtClean="0"/>
-              <a:t>12/21/19</a:t>
+              <a:t>12/25/19</a:t>
             </a:fld>
             <a:endParaRPr lang="en-US"/>
           </a:p>
@@ -2685,41 +2685,6 @@
           </a:p>
         </p:txBody>
       </p:sp>
-      <p:pic>
-        <p:nvPicPr>
-          <p:cNvPr id="19" name="Picture 18" descr="EV3Lessons2019v2.png">
-            <a:extLst>
-              <a:ext uri="{FF2B5EF4-FFF2-40B4-BE49-F238E27FC236}">
-                <a16:creationId xmlns:a16="http://schemas.microsoft.com/office/drawing/2014/main" id="{46477059-CAFF-AF48-9A0F-B58906895B7D}"/>
-              </a:ext>
-            </a:extLst>
-          </p:cNvPr>
-          <p:cNvPicPr>
-            <a:picLocks noChangeAspect="1"/>
-          </p:cNvPicPr>
-          <p:nvPr userDrawn="1"/>
-        </p:nvPicPr>
-        <p:blipFill rotWithShape="1">
-          <a:blip r:embed="rId2">
-            <a:extLst>
-              <a:ext uri="{28A0092B-C50C-407E-A947-70E740481C1C}">
-                <a14:useLocalDpi xmlns:a14="http://schemas.microsoft.com/office/drawing/2010/main" val="0"/>
-              </a:ext>
-            </a:extLst>
-          </a:blip>
-          <a:srcRect l="1676" t="4262" r="1441" b="4110"/>
-          <a:stretch/>
-        </p:blipFill>
-        <p:spPr>
-          <a:xfrm>
-            <a:off x="191030" y="91439"/>
-            <a:ext cx="8539480" cy="3388361"/>
-          </a:xfrm>
-          <a:prstGeom prst="rect">
-            <a:avLst/>
-          </a:prstGeom>
-        </p:spPr>
-      </p:pic>
     </p:spTree>
     <p:extLst>
       <p:ext uri="{BB962C8B-B14F-4D97-AF65-F5344CB8AC3E}">
@@ -2851,7 +2816,7 @@
           <a:p>
             <a:fld id="{84E12C40-F5B1-7F4D-8AD7-DF6721EE7D0C}" type="datetime1">
               <a:rPr lang="en-US" smtClean="0"/>
-              <a:t>12/21/19</a:t>
+              <a:t>12/25/19</a:t>
             </a:fld>
             <a:endParaRPr lang="en-US"/>
           </a:p>
@@ -3117,7 +3082,7 @@
           <a:p>
             <a:fld id="{1F967E25-7962-7D48-86F4-439AA9A511E0}" type="datetime1">
               <a:rPr lang="en-US" smtClean="0"/>
-              <a:t>12/21/19</a:t>
+              <a:t>12/25/19</a:t>
             </a:fld>
             <a:endParaRPr lang="en-US"/>
           </a:p>
@@ -3421,7 +3386,7 @@
           <a:p>
             <a:fld id="{D7FB2F4D-EA4F-3E40-86B1-80FF8CCFE754}" type="datetime1">
               <a:rPr lang="en-US" smtClean="0"/>
-              <a:t>12/21/19</a:t>
+              <a:t>12/25/19</a:t>
             </a:fld>
             <a:endParaRPr lang="en-US"/>
           </a:p>
@@ -3876,7 +3841,7 @@
           <a:p>
             <a:fld id="{D7AAEE08-879E-1F4F-9B4A-BE9704D01B87}" type="datetime1">
               <a:rPr lang="en-US" smtClean="0"/>
-              <a:t>12/21/19</a:t>
+              <a:t>12/25/19</a:t>
             </a:fld>
             <a:endParaRPr lang="en-US"/>
           </a:p>
@@ -4005,7 +3970,7 @@
           <a:p>
             <a:fld id="{13492D7D-60CF-A344-8C41-E8D2B5888BFE}" type="datetime1">
               <a:rPr lang="en-US" smtClean="0"/>
-              <a:t>12/21/19</a:t>
+              <a:t>12/25/19</a:t>
             </a:fld>
             <a:endParaRPr lang="en-US"/>
           </a:p>
@@ -4112,7 +4077,7 @@
           <a:p>
             <a:fld id="{61071F5A-50E0-9F49-A799-584E2CB5C5FF}" type="datetime1">
               <a:rPr lang="en-US" smtClean="0"/>
-              <a:t>12/21/19</a:t>
+              <a:t>12/25/19</a:t>
             </a:fld>
             <a:endParaRPr lang="en-US"/>
           </a:p>
@@ -4371,7 +4336,7 @@
           <a:p>
             <a:fld id="{9B768A9F-572D-A74C-8B07-392BEC92E1DB}" type="datetime1">
               <a:rPr lang="en-US" smtClean="0"/>
-              <a:t>12/21/19</a:t>
+              <a:t>12/25/19</a:t>
             </a:fld>
             <a:endParaRPr lang="en-US"/>
           </a:p>
@@ -4584,7 +4549,7 @@
           <a:p>
             <a:fld id="{A6591E7C-AA7F-D74F-9363-DC7254EDE574}" type="datetime1">
               <a:rPr lang="en-US" smtClean="0"/>
-              <a:t>12/21/19</a:t>
+              <a:t>12/25/19</a:t>
             </a:fld>
             <a:endParaRPr lang="en-US"/>
           </a:p>
@@ -4868,7 +4833,7 @@
           <a:p>
             <a:fld id="{490F297E-5778-3C42-8D03-9EF518E70386}" type="datetime1">
               <a:rPr lang="en-US" smtClean="0"/>
-              <a:t>12/21/19</a:t>
+              <a:t>12/25/19</a:t>
             </a:fld>
             <a:endParaRPr lang="en-US"/>
           </a:p>
@@ -5136,7 +5101,7 @@
           <a:p>
             <a:fld id="{18F25342-FBCC-344B-9DBA-BB86BDDC72A3}" type="datetime1">
               <a:rPr lang="en-US" smtClean="0"/>
-              <a:t>12/21/19</a:t>
+              <a:t>12/25/19</a:t>
             </a:fld>
             <a:endParaRPr lang="en-US"/>
           </a:p>
@@ -5326,7 +5291,7 @@
           <a:p>
             <a:fld id="{F3FDBE54-47BA-1845-8308-D5D7EF822F55}" type="datetime1">
               <a:rPr lang="en-US" smtClean="0"/>
-              <a:t>12/21/19</a:t>
+              <a:t>12/25/19</a:t>
             </a:fld>
             <a:endParaRPr lang="en-US"/>
           </a:p>
@@ -5528,7 +5493,7 @@
           <a:p>
             <a:fld id="{773B235B-6507-4847-A11C-6B317EF9C63F}" type="datetime1">
               <a:rPr lang="en-US" smtClean="0"/>
-              <a:t>12/21/19</a:t>
+              <a:t>12/25/19</a:t>
             </a:fld>
             <a:endParaRPr lang="en-US"/>
           </a:p>
@@ -5700,7 +5665,7 @@
           <a:p>
             <a:fld id="{F4942844-70B6-354C-8F89-369CE82D44CE}" type="datetime1">
               <a:rPr lang="en-US" smtClean="0"/>
-              <a:t>12/21/19</a:t>
+              <a:t>12/25/19</a:t>
             </a:fld>
             <a:endParaRPr lang="en-US"/>
           </a:p>
@@ -5949,7 +5914,7 @@
           <a:p>
             <a:fld id="{27DD61E0-0AE6-1440-82BB-53FE55501C0C}" type="datetime1">
               <a:rPr lang="en-US" smtClean="0"/>
-              <a:t>12/21/19</a:t>
+              <a:t>12/25/19</a:t>
             </a:fld>
             <a:endParaRPr lang="en-US"/>
           </a:p>
@@ -6182,7 +6147,7 @@
           <a:p>
             <a:fld id="{E34DC1EE-CA83-EA44-A62C-F54AC515CC38}" type="datetime1">
               <a:rPr lang="en-US" smtClean="0"/>
-              <a:t>12/21/19</a:t>
+              <a:t>12/25/19</a:t>
             </a:fld>
             <a:endParaRPr lang="en-US"/>
           </a:p>
@@ -6550,7 +6515,7 @@
           <a:p>
             <a:fld id="{6E37D3DB-A2F7-6E46-AFF2-D94EE4864771}" type="datetime1">
               <a:rPr lang="en-US" smtClean="0"/>
-              <a:t>12/21/19</a:t>
+              <a:t>12/25/19</a:t>
             </a:fld>
             <a:endParaRPr lang="en-US"/>
           </a:p>
@@ -6671,7 +6636,7 @@
           <a:p>
             <a:fld id="{38B31305-B4BA-C142-939C-2875058E2470}" type="datetime1">
               <a:rPr lang="en-US" smtClean="0"/>
-              <a:t>12/21/19</a:t>
+              <a:t>12/25/19</a:t>
             </a:fld>
             <a:endParaRPr lang="en-US"/>
           </a:p>
@@ -6770,7 +6735,7 @@
           <a:p>
             <a:fld id="{9432C028-167F-1D43-94C7-5F33CF7E3321}" type="datetime1">
               <a:rPr lang="en-US" smtClean="0"/>
-              <a:t>12/21/19</a:t>
+              <a:t>12/25/19</a:t>
             </a:fld>
             <a:endParaRPr lang="en-US"/>
           </a:p>
@@ -7028,7 +6993,7 @@
           <a:p>
             <a:fld id="{DBC954AE-2DE5-2146-8FBA-D864DDAD90AE}" type="datetime1">
               <a:rPr lang="en-US" smtClean="0"/>
-              <a:t>12/21/19</a:t>
+              <a:t>12/25/19</a:t>
             </a:fld>
             <a:endParaRPr lang="en-US"/>
           </a:p>
@@ -7307,7 +7272,7 @@
           <a:p>
             <a:fld id="{5D70341D-5CE7-E246-AD4E-F1B3EF9F2A28}" type="datetime1">
               <a:rPr lang="en-US" smtClean="0"/>
-              <a:t>12/21/19</a:t>
+              <a:t>12/25/19</a:t>
             </a:fld>
             <a:endParaRPr lang="en-US"/>
           </a:p>
@@ -7566,7 +7531,7 @@
           <a:p>
             <a:fld id="{7153A44F-C0A4-2345-916A-A765823050D0}" type="datetime1">
               <a:rPr lang="en-US" smtClean="0"/>
-              <a:t>12/21/19</a:t>
+              <a:t>12/25/19</a:t>
             </a:fld>
             <a:endParaRPr lang="en-US"/>
           </a:p>
@@ -7738,7 +7703,7 @@
           <a:p>
             <a:fld id="{0FA4AF49-3ED3-2449-A0F8-AE0F565943BE}" type="datetime1">
               <a:rPr lang="en-US" smtClean="0"/>
-              <a:t>12/21/19</a:t>
+              <a:t>12/25/19</a:t>
             </a:fld>
             <a:endParaRPr lang="en-US"/>
           </a:p>
@@ -7920,7 +7885,7 @@
           <a:p>
             <a:fld id="{17A3E4EA-033F-AE4F-9200-F4B69C3D7482}" type="datetime1">
               <a:rPr lang="en-US" smtClean="0"/>
-              <a:t>12/21/19</a:t>
+              <a:t>12/25/19</a:t>
             </a:fld>
             <a:endParaRPr lang="en-US"/>
           </a:p>
@@ -8215,7 +8180,7 @@
           <a:p>
             <a:fld id="{40EAD8AF-19AF-2441-AD43-1ED8DAE87174}" type="datetime1">
               <a:rPr lang="en-US" smtClean="0"/>
-              <a:t>12/21/19</a:t>
+              <a:t>12/25/19</a:t>
             </a:fld>
             <a:endParaRPr lang="en-US"/>
           </a:p>
@@ -8662,7 +8627,7 @@
           <a:p>
             <a:fld id="{DFF306B1-2F81-6541-A3EE-15B09C897731}" type="datetime1">
               <a:rPr lang="en-US" smtClean="0"/>
-              <a:t>12/21/19</a:t>
+              <a:t>12/25/19</a:t>
             </a:fld>
             <a:endParaRPr lang="en-US"/>
           </a:p>
@@ -8783,7 +8748,7 @@
           <a:p>
             <a:fld id="{77B4C4F0-C7D5-B048-A952-B2664247314C}" type="datetime1">
               <a:rPr lang="en-US" smtClean="0"/>
-              <a:t>12/21/19</a:t>
+              <a:t>12/25/19</a:t>
             </a:fld>
             <a:endParaRPr lang="en-US"/>
           </a:p>
@@ -8882,7 +8847,7 @@
           <a:p>
             <a:fld id="{5C4C0F2D-65F4-034A-A7CC-71543C44F259}" type="datetime1">
               <a:rPr lang="en-US" smtClean="0"/>
-              <a:t>12/21/19</a:t>
+              <a:t>12/25/19</a:t>
             </a:fld>
             <a:endParaRPr lang="en-US"/>
           </a:p>
@@ -9133,7 +9098,7 @@
           <a:p>
             <a:fld id="{D3E3D663-8313-0E47-836A-F74C2A7854CF}" type="datetime1">
               <a:rPr lang="en-US" smtClean="0"/>
-              <a:t>12/21/19</a:t>
+              <a:t>12/25/19</a:t>
             </a:fld>
             <a:endParaRPr lang="en-US"/>
           </a:p>
@@ -9434,7 +9399,7 @@
           <a:p>
             <a:fld id="{A646B703-6759-8D4D-9FDF-66F009418501}" type="datetime1">
               <a:rPr lang="en-US" smtClean="0"/>
-              <a:t>12/21/19</a:t>
+              <a:t>12/25/19</a:t>
             </a:fld>
             <a:endParaRPr lang="en-US"/>
           </a:p>
@@ -9736,7 +9701,7 @@
           <a:p>
             <a:fld id="{F378AD8A-3300-0242-BE45-73836CB6D3DC}" type="datetime1">
               <a:rPr lang="en-US" smtClean="0"/>
-              <a:t>12/21/19</a:t>
+              <a:t>12/25/19</a:t>
             </a:fld>
             <a:endParaRPr lang="en-US"/>
           </a:p>
@@ -10689,7 +10654,7 @@
           <a:p>
             <a:fld id="{C5BCCB7F-EA31-334B-A71F-2C53E53F4162}" type="datetime1">
               <a:rPr lang="en-US" smtClean="0"/>
-              <a:t>12/21/19</a:t>
+              <a:t>12/25/19</a:t>
             </a:fld>
             <a:endParaRPr lang="en-US"/>
           </a:p>
@@ -11748,7 +11713,7 @@
           <a:p>
             <a:fld id="{695DDD47-AF0A-EB4B-872E-9E9733ED0AF1}" type="datetime1">
               <a:rPr lang="en-US" smtClean="0"/>
-              <a:t>12/21/19</a:t>
+              <a:t>12/25/19</a:t>
             </a:fld>
             <a:endParaRPr lang="en-US"/>
           </a:p>
@@ -12168,10 +12133,21 @@
             <p:ph type="subTitle" idx="1"/>
           </p:nvPr>
         </p:nvSpPr>
-        <p:spPr/>
-        <p:txBody>
-          <a:bodyPr/>
-          <a:lstStyle/>
+        <p:spPr>
+          <a:xfrm>
+            <a:off x="1143000" y="3283789"/>
+            <a:ext cx="6858000" cy="914400"/>
+          </a:xfrm>
+        </p:spPr>
+        <p:txBody>
+          <a:bodyPr/>
+          <a:lstStyle/>
+          <a:p>
+            <a:r>
+              <a:rPr lang="en-US" dirty="0"/>
+              <a:t>EV3 Classroom: </a:t>
+            </a:r>
+          </a:p>
           <a:p>
             <a:r>
               <a:rPr lang="en-US" dirty="0"/>
@@ -12182,33 +12158,91 @@
       </p:sp>
       <p:sp>
         <p:nvSpPr>
-          <p:cNvPr id="3" name="Title 2"/>
-          <p:cNvSpPr>
-            <a:spLocks noGrp="1"/>
-          </p:cNvSpPr>
-          <p:nvPr>
-            <p:ph type="ctrTitle"/>
-          </p:nvPr>
-        </p:nvSpPr>
-        <p:spPr/>
-        <p:txBody>
-          <a:bodyPr/>
-          <a:lstStyle/>
-          <a:p>
-            <a:pPr algn="ctr"/>
-            <a:r>
-              <a:rPr lang="en-US" dirty="0"/>
+          <p:cNvPr id="7" name="Title 1">
+            <a:extLst>
+              <a:ext uri="{FF2B5EF4-FFF2-40B4-BE49-F238E27FC236}">
+                <a16:creationId xmlns:a16="http://schemas.microsoft.com/office/drawing/2014/main" id="{51E014A4-5E72-214F-BAC1-D8CAF8943954}"/>
+              </a:ext>
+            </a:extLst>
+          </p:cNvPr>
+          <p:cNvSpPr txBox="1">
+            <a:spLocks/>
+          </p:cNvSpPr>
+          <p:nvPr/>
+        </p:nvSpPr>
+        <p:spPr>
+          <a:xfrm>
+            <a:off x="4868091" y="272833"/>
+            <a:ext cx="3897684" cy="1598052"/>
+          </a:xfrm>
+          <a:prstGeom prst="rect">
+            <a:avLst/>
+          </a:prstGeom>
+        </p:spPr>
+        <p:txBody>
+          <a:bodyPr vert="horz" lIns="91440" tIns="45720" rIns="91440" bIns="45720" rtlCol="0" anchor="t" anchorCtr="0">
+            <a:noAutofit/>
+          </a:bodyPr>
+          <a:lstStyle>
+            <a:lvl1pPr algn="l" defTabSz="914400" rtl="0" eaLnBrk="1" latinLnBrk="0" hangingPunct="1">
+              <a:spcBef>
+                <a:spcPct val="0"/>
+              </a:spcBef>
+              <a:buNone/>
+              <a:defRPr sz="2800" kern="1200" cap="all" spc="-60" baseline="0">
+                <a:solidFill>
+                  <a:schemeClr val="tx2"/>
+                </a:solidFill>
+                <a:latin typeface="+mj-lt"/>
+                <a:ea typeface="+mj-ea"/>
+                <a:cs typeface="+mj-cs"/>
+              </a:defRPr>
+            </a:lvl1pPr>
+          </a:lstStyle>
+          <a:p>
+            <a:r>
+              <a:rPr lang="en-US" sz="3200"/>
               <a:t>BEGINNER PROGRAMMING LESSON</a:t>
             </a:r>
+            <a:endParaRPr lang="en-US" sz="3200" dirty="0"/>
           </a:p>
         </p:txBody>
       </p:sp>
       <p:pic>
         <p:nvPicPr>
-          <p:cNvPr id="5" name="Picture 4" descr="A close up of a sign&#10;&#10;Description automatically generated">
+          <p:cNvPr id="8" name="Picture 7" descr="A picture containing drawing&#10;&#10;Description automatically generated">
             <a:extLst>
               <a:ext uri="{FF2B5EF4-FFF2-40B4-BE49-F238E27FC236}">
-                <a16:creationId xmlns:a16="http://schemas.microsoft.com/office/drawing/2014/main" id="{7FD79DED-20B0-EE4B-A320-F96199B172A0}"/>
+                <a16:creationId xmlns:a16="http://schemas.microsoft.com/office/drawing/2014/main" id="{E885CBB0-B6ED-F44E-9A25-858ABCAF2D81}"/>
+              </a:ext>
+            </a:extLst>
+          </p:cNvPr>
+          <p:cNvPicPr>
+            <a:picLocks noChangeAspect="1"/>
+          </p:cNvPicPr>
+          <p:nvPr/>
+        </p:nvPicPr>
+        <p:blipFill rotWithShape="1">
+          <a:blip r:embed="rId2"/>
+          <a:srcRect l="1617" t="7031" r="4033" b="8124"/>
+          <a:stretch/>
+        </p:blipFill>
+        <p:spPr>
+          <a:xfrm>
+            <a:off x="129863" y="209018"/>
+            <a:ext cx="4442137" cy="1673443"/>
+          </a:xfrm>
+          <a:prstGeom prst="rect">
+            <a:avLst/>
+          </a:prstGeom>
+        </p:spPr>
+      </p:pic>
+      <p:pic>
+        <p:nvPicPr>
+          <p:cNvPr id="9" name="Picture 8" descr="A close up of a sign&#10;&#10;Description automatically generated">
+            <a:extLst>
+              <a:ext uri="{FF2B5EF4-FFF2-40B4-BE49-F238E27FC236}">
+                <a16:creationId xmlns:a16="http://schemas.microsoft.com/office/drawing/2014/main" id="{10EE50DC-B606-A446-8405-80E110820546}"/>
               </a:ext>
             </a:extLst>
           </p:cNvPr>
@@ -12218,15 +12252,21 @@
           <p:nvPr/>
         </p:nvPicPr>
         <p:blipFill>
-          <a:blip r:embed="rId2"/>
+          <a:blip r:embed="rId3">
+            <a:extLst>
+              <a:ext uri="{28A0092B-C50C-407E-A947-70E740481C1C}">
+                <a14:useLocalDpi xmlns:a14="http://schemas.microsoft.com/office/drawing/2010/main" val="0"/>
+              </a:ext>
+            </a:extLst>
+          </a:blip>
           <a:stretch>
             <a:fillRect/>
           </a:stretch>
         </p:blipFill>
         <p:spPr>
-          <a:xfrm rot="905751">
-            <a:off x="7428181" y="371720"/>
-            <a:ext cx="1124670" cy="1101589"/>
+          <a:xfrm>
+            <a:off x="3730120" y="4883748"/>
+            <a:ext cx="1444298" cy="1444298"/>
           </a:xfrm>
           <a:prstGeom prst="rect">
             <a:avLst/>
